--- a/Study/3. OhMyZsh_181207.pptx
+++ b/Study/3. OhMyZsh_181207.pptx
@@ -212,7 +212,7 @@
           <a:p>
             <a:fld id="{860F6261-D752-47FA-9360-477C4FC813A0}" type="datetimeFigureOut">
               <a:rPr lang="ko-KR" altLang="en-US" smtClean="0"/>
-              <a:t>2018-12-07</a:t>
+              <a:t>2018-12-12</a:t>
             </a:fld>
             <a:endParaRPr lang="ko-KR" altLang="en-US"/>
           </a:p>
@@ -1180,42 +1180,6 @@
             <a:pPr marL="0" indent="0">
               <a:buNone/>
             </a:pPr>
-            <a:r>
-              <a:rPr lang="ko-KR" altLang="en-US" sz="1200" b="0" i="0" kern="1200" dirty="0">
-                <a:solidFill>
-                  <a:schemeClr val="tx1"/>
-                </a:solidFill>
-                <a:effectLst/>
-                <a:latin typeface="+mn-lt"/>
-                <a:ea typeface="+mn-ea"/>
-                <a:cs typeface="+mn-cs"/>
-              </a:rPr>
-              <a:t>이번 발표를 준비하면서 </a:t>
-            </a:r>
-            <a:r>
-              <a:rPr lang="en-US" altLang="ko-KR" sz="1200" b="0" i="0" kern="1200" dirty="0" err="1">
-                <a:solidFill>
-                  <a:schemeClr val="tx1"/>
-                </a:solidFill>
-                <a:effectLst/>
-                <a:latin typeface="+mn-lt"/>
-                <a:ea typeface="+mn-ea"/>
-                <a:cs typeface="+mn-cs"/>
-              </a:rPr>
-              <a:t>OhMyZsh</a:t>
-            </a:r>
-            <a:r>
-              <a:rPr lang="ko-KR" altLang="en-US" sz="1200" b="0" i="0" kern="1200" dirty="0">
-                <a:solidFill>
-                  <a:schemeClr val="tx1"/>
-                </a:solidFill>
-                <a:effectLst/>
-                <a:latin typeface="+mn-lt"/>
-                <a:ea typeface="+mn-ea"/>
-                <a:cs typeface="+mn-cs"/>
-              </a:rPr>
-              <a:t>는 특히나 저에게</a:t>
-            </a:r>
             <a:endParaRPr lang="en-US" altLang="ko-KR" sz="1200" b="0" i="0" kern="1200" dirty="0">
               <a:solidFill>
                 <a:schemeClr val="tx1"/>
@@ -1225,207 +1189,6 @@
               <a:ea typeface="+mn-ea"/>
               <a:cs typeface="+mn-cs"/>
             </a:endParaRPr>
-          </a:p>
-          <a:p>
-            <a:pPr marL="0" indent="0">
-              <a:buNone/>
-            </a:pPr>
-            <a:r>
-              <a:rPr lang="ko-KR" altLang="en-US" sz="1200" b="0" i="0" kern="1200" dirty="0">
-                <a:solidFill>
-                  <a:schemeClr val="tx1"/>
-                </a:solidFill>
-                <a:effectLst/>
-                <a:latin typeface="+mn-lt"/>
-                <a:ea typeface="+mn-ea"/>
-                <a:cs typeface="+mn-cs"/>
-              </a:rPr>
-              <a:t>더욱 매력적인 </a:t>
-            </a:r>
-            <a:r>
-              <a:rPr lang="ko-KR" altLang="en-US" sz="1200" b="0" i="0" kern="1200" dirty="0" err="1">
-                <a:solidFill>
-                  <a:schemeClr val="tx1"/>
-                </a:solidFill>
-                <a:effectLst/>
-                <a:latin typeface="+mn-lt"/>
-                <a:ea typeface="+mn-ea"/>
-                <a:cs typeface="+mn-cs"/>
-              </a:rPr>
-              <a:t>프레임워크라고</a:t>
-            </a:r>
-            <a:r>
-              <a:rPr lang="ko-KR" altLang="en-US" sz="1200" b="0" i="0" kern="1200" dirty="0">
-                <a:solidFill>
-                  <a:schemeClr val="tx1"/>
-                </a:solidFill>
-                <a:effectLst/>
-                <a:latin typeface="+mn-lt"/>
-                <a:ea typeface="+mn-ea"/>
-                <a:cs typeface="+mn-cs"/>
-              </a:rPr>
-              <a:t> 느꼈습니다</a:t>
-            </a:r>
-            <a:r>
-              <a:rPr lang="en-US" altLang="ko-KR" sz="1200" b="0" i="0" kern="1200" dirty="0">
-                <a:solidFill>
-                  <a:schemeClr val="tx1"/>
-                </a:solidFill>
-                <a:effectLst/>
-                <a:latin typeface="+mn-lt"/>
-                <a:ea typeface="+mn-ea"/>
-                <a:cs typeface="+mn-cs"/>
-              </a:rPr>
-              <a:t>. </a:t>
-            </a:r>
-            <a:r>
-              <a:rPr lang="ko-KR" altLang="en-US" sz="1200" b="0" i="0" kern="1200" dirty="0">
-                <a:solidFill>
-                  <a:schemeClr val="tx1"/>
-                </a:solidFill>
-                <a:effectLst/>
-                <a:latin typeface="+mn-lt"/>
-                <a:ea typeface="+mn-ea"/>
-                <a:cs typeface="+mn-cs"/>
-              </a:rPr>
-              <a:t>저는 새로운 </a:t>
-            </a:r>
-            <a:r>
-              <a:rPr lang="en-US" altLang="ko-KR" sz="1200" b="0" i="0" kern="1200" dirty="0">
-                <a:solidFill>
-                  <a:schemeClr val="tx1"/>
-                </a:solidFill>
-                <a:effectLst/>
-                <a:latin typeface="+mn-lt"/>
-                <a:ea typeface="+mn-ea"/>
-                <a:cs typeface="+mn-cs"/>
-              </a:rPr>
-              <a:t>IDE</a:t>
-            </a:r>
-            <a:r>
-              <a:rPr lang="ko-KR" altLang="en-US" sz="1200" b="0" i="0" kern="1200" dirty="0">
-                <a:solidFill>
-                  <a:schemeClr val="tx1"/>
-                </a:solidFill>
-                <a:effectLst/>
-                <a:latin typeface="+mn-lt"/>
-                <a:ea typeface="+mn-ea"/>
-                <a:cs typeface="+mn-cs"/>
-              </a:rPr>
-              <a:t>를 사용하거나</a:t>
-            </a:r>
-            <a:r>
-              <a:rPr lang="en-US" altLang="ko-KR" sz="1200" b="0" i="0" kern="1200" dirty="0">
-                <a:solidFill>
-                  <a:schemeClr val="tx1"/>
-                </a:solidFill>
-                <a:effectLst/>
-                <a:latin typeface="+mn-lt"/>
-                <a:ea typeface="+mn-ea"/>
-                <a:cs typeface="+mn-cs"/>
-              </a:rPr>
-              <a:t>, OS</a:t>
-            </a:r>
-            <a:r>
-              <a:rPr lang="ko-KR" altLang="en-US" sz="1200" b="0" i="0" kern="1200" dirty="0">
-                <a:solidFill>
-                  <a:schemeClr val="tx1"/>
-                </a:solidFill>
-                <a:effectLst/>
-                <a:latin typeface="+mn-lt"/>
-                <a:ea typeface="+mn-ea"/>
-                <a:cs typeface="+mn-cs"/>
-              </a:rPr>
-              <a:t>를 설치하거나</a:t>
-            </a:r>
-            <a:endParaRPr lang="en-US" altLang="ko-KR" sz="1200" b="0" i="0" kern="1200" dirty="0">
-              <a:solidFill>
-                <a:schemeClr val="tx1"/>
-              </a:solidFill>
-              <a:effectLst/>
-              <a:latin typeface="+mn-lt"/>
-              <a:ea typeface="+mn-ea"/>
-              <a:cs typeface="+mn-cs"/>
-            </a:endParaRPr>
-          </a:p>
-          <a:p>
-            <a:pPr marL="0" indent="0">
-              <a:buNone/>
-            </a:pPr>
-            <a:r>
-              <a:rPr lang="ko-KR" altLang="en-US" sz="1200" b="0" i="0" kern="1200" dirty="0">
-                <a:solidFill>
-                  <a:schemeClr val="tx1"/>
-                </a:solidFill>
-                <a:effectLst/>
-                <a:latin typeface="+mn-lt"/>
-                <a:ea typeface="+mn-ea"/>
-                <a:cs typeface="+mn-cs"/>
-              </a:rPr>
-              <a:t>심지어는 스마트폰같은 디바이스를 새로 </a:t>
-            </a:r>
-            <a:r>
-              <a:rPr lang="ko-KR" altLang="en-US" sz="1200" b="0" i="0" kern="1200" dirty="0" err="1">
-                <a:solidFill>
-                  <a:schemeClr val="tx1"/>
-                </a:solidFill>
-                <a:effectLst/>
-                <a:latin typeface="+mn-lt"/>
-                <a:ea typeface="+mn-ea"/>
-                <a:cs typeface="+mn-cs"/>
-              </a:rPr>
-              <a:t>구매했을때도</a:t>
-            </a:r>
-            <a:r>
-              <a:rPr lang="ko-KR" altLang="en-US" sz="1200" b="0" i="0" kern="1200" dirty="0">
-                <a:solidFill>
-                  <a:schemeClr val="tx1"/>
-                </a:solidFill>
-                <a:effectLst/>
-                <a:latin typeface="+mn-lt"/>
-                <a:ea typeface="+mn-ea"/>
-                <a:cs typeface="+mn-cs"/>
-              </a:rPr>
-              <a:t> 가장 먼저 하는게 글꼴이나 글씨크기같은</a:t>
-            </a:r>
-            <a:endParaRPr lang="en-US" altLang="ko-KR" sz="1200" b="0" i="0" kern="1200" dirty="0">
-              <a:solidFill>
-                <a:schemeClr val="tx1"/>
-              </a:solidFill>
-              <a:effectLst/>
-              <a:latin typeface="+mn-lt"/>
-              <a:ea typeface="+mn-ea"/>
-              <a:cs typeface="+mn-cs"/>
-            </a:endParaRPr>
-          </a:p>
-          <a:p>
-            <a:pPr marL="0" indent="0">
-              <a:buNone/>
-            </a:pPr>
-            <a:r>
-              <a:rPr lang="ko-KR" altLang="en-US" sz="1200" b="0" i="0" kern="1200" dirty="0">
-                <a:solidFill>
-                  <a:schemeClr val="tx1"/>
-                </a:solidFill>
-                <a:effectLst/>
-                <a:latin typeface="+mn-lt"/>
-                <a:ea typeface="+mn-ea"/>
-                <a:cs typeface="+mn-cs"/>
-              </a:rPr>
-              <a:t>테마를 변경하는 작업들이거든요</a:t>
-            </a:r>
-            <a:r>
-              <a:rPr lang="en-US" altLang="ko-KR" sz="1200" b="0" i="0" kern="1200" dirty="0">
-                <a:solidFill>
-                  <a:schemeClr val="tx1"/>
-                </a:solidFill>
-                <a:effectLst/>
-                <a:latin typeface="+mn-lt"/>
-                <a:ea typeface="+mn-ea"/>
-                <a:cs typeface="+mn-cs"/>
-              </a:rPr>
-              <a:t>. </a:t>
-            </a:r>
           </a:p>
         </p:txBody>
       </p:sp>
@@ -1508,94 +1271,6 @@
         <p:txBody>
           <a:bodyPr/>
           <a:lstStyle/>
-          <a:p>
-            <a:pPr marL="0" marR="0" lvl="0" indent="0" algn="l" defTabSz="914400" rtl="0" eaLnBrk="1" fontAlgn="auto" latinLnBrk="1" hangingPunct="1">
-              <a:lnSpc>
-                <a:spcPct val="100000"/>
-              </a:lnSpc>
-              <a:spcBef>
-                <a:spcPts val="0"/>
-              </a:spcBef>
-              <a:spcAft>
-                <a:spcPts val="0"/>
-              </a:spcAft>
-              <a:buClrTx/>
-              <a:buSzTx/>
-              <a:buFontTx/>
-              <a:buNone/>
-              <a:tabLst/>
-              <a:defRPr/>
-            </a:pPr>
-            <a:r>
-              <a:rPr lang="en-US" altLang="ko-KR" sz="1200" b="0" i="0" kern="1200" dirty="0">
-                <a:solidFill>
-                  <a:schemeClr val="tx1"/>
-                </a:solidFill>
-                <a:effectLst/>
-                <a:latin typeface="+mn-lt"/>
-                <a:ea typeface="+mn-ea"/>
-                <a:cs typeface="+mn-cs"/>
-              </a:rPr>
-              <a:t>Paul </a:t>
-            </a:r>
-            <a:r>
-              <a:rPr lang="en-US" altLang="ko-KR" sz="1200" b="0" i="0" kern="1200" dirty="0" err="1">
-                <a:solidFill>
-                  <a:schemeClr val="tx1"/>
-                </a:solidFill>
-                <a:effectLst/>
-                <a:latin typeface="+mn-lt"/>
-                <a:ea typeface="+mn-ea"/>
-                <a:cs typeface="+mn-cs"/>
-              </a:rPr>
-              <a:t>Falstad</a:t>
-            </a:r>
-            <a:r>
-              <a:rPr lang="ko-KR" altLang="en-US" sz="1200" b="0" i="0" kern="1200" dirty="0">
-                <a:solidFill>
-                  <a:schemeClr val="tx1"/>
-                </a:solidFill>
-                <a:effectLst/>
-                <a:latin typeface="+mn-lt"/>
-                <a:ea typeface="+mn-ea"/>
-                <a:cs typeface="+mn-cs"/>
-              </a:rPr>
-              <a:t>이 </a:t>
-            </a:r>
-            <a:r>
-              <a:rPr lang="en-US" altLang="ko-KR" sz="1200" b="0" i="0" kern="1200" dirty="0">
-                <a:solidFill>
-                  <a:schemeClr val="tx1"/>
-                </a:solidFill>
-                <a:effectLst/>
-                <a:latin typeface="+mn-lt"/>
-                <a:ea typeface="+mn-ea"/>
-                <a:cs typeface="+mn-cs"/>
-              </a:rPr>
-              <a:t>1990</a:t>
-            </a:r>
-            <a:r>
-              <a:rPr lang="ko-KR" altLang="en-US" sz="1200" b="0" i="0" kern="1200" dirty="0">
-                <a:solidFill>
-                  <a:schemeClr val="tx1"/>
-                </a:solidFill>
-                <a:effectLst/>
-                <a:latin typeface="+mn-lt"/>
-                <a:ea typeface="+mn-ea"/>
-                <a:cs typeface="+mn-cs"/>
-              </a:rPr>
-              <a:t>년 최초개발</a:t>
-            </a:r>
-            <a:endParaRPr lang="en-US" altLang="ko-KR" sz="1200" b="0" i="0" kern="1200" dirty="0">
-              <a:solidFill>
-                <a:schemeClr val="tx1"/>
-              </a:solidFill>
-              <a:effectLst/>
-              <a:latin typeface="+mn-lt"/>
-              <a:ea typeface="+mn-ea"/>
-              <a:cs typeface="+mn-cs"/>
-            </a:endParaRPr>
-          </a:p>
           <a:p>
             <a:pPr marL="0" indent="0">
               <a:buNone/>
@@ -2492,7 +2167,7 @@
           <a:p>
             <a:fld id="{7375CF92-EF9A-4E7C-8197-9037C088131F}" type="datetimeFigureOut">
               <a:rPr lang="ko-KR" altLang="en-US" smtClean="0"/>
-              <a:t>2018-12-07</a:t>
+              <a:t>2018-12-12</a:t>
             </a:fld>
             <a:endParaRPr lang="ko-KR" altLang="en-US"/>
           </a:p>
@@ -2662,7 +2337,7 @@
           <a:p>
             <a:fld id="{7375CF92-EF9A-4E7C-8197-9037C088131F}" type="datetimeFigureOut">
               <a:rPr lang="ko-KR" altLang="en-US" smtClean="0"/>
-              <a:t>2018-12-07</a:t>
+              <a:t>2018-12-12</a:t>
             </a:fld>
             <a:endParaRPr lang="ko-KR" altLang="en-US"/>
           </a:p>
@@ -2842,7 +2517,7 @@
           <a:p>
             <a:fld id="{7375CF92-EF9A-4E7C-8197-9037C088131F}" type="datetimeFigureOut">
               <a:rPr lang="ko-KR" altLang="en-US" smtClean="0"/>
-              <a:t>2018-12-07</a:t>
+              <a:t>2018-12-12</a:t>
             </a:fld>
             <a:endParaRPr lang="ko-KR" altLang="en-US"/>
           </a:p>
@@ -3012,7 +2687,7 @@
           <a:p>
             <a:fld id="{7375CF92-EF9A-4E7C-8197-9037C088131F}" type="datetimeFigureOut">
               <a:rPr lang="ko-KR" altLang="en-US" smtClean="0"/>
-              <a:t>2018-12-07</a:t>
+              <a:t>2018-12-12</a:t>
             </a:fld>
             <a:endParaRPr lang="ko-KR" altLang="en-US"/>
           </a:p>
@@ -3258,7 +2933,7 @@
           <a:p>
             <a:fld id="{7375CF92-EF9A-4E7C-8197-9037C088131F}" type="datetimeFigureOut">
               <a:rPr lang="ko-KR" altLang="en-US" smtClean="0"/>
-              <a:t>2018-12-07</a:t>
+              <a:t>2018-12-12</a:t>
             </a:fld>
             <a:endParaRPr lang="ko-KR" altLang="en-US"/>
           </a:p>
@@ -3490,7 +3165,7 @@
           <a:p>
             <a:fld id="{7375CF92-EF9A-4E7C-8197-9037C088131F}" type="datetimeFigureOut">
               <a:rPr lang="ko-KR" altLang="en-US" smtClean="0"/>
-              <a:t>2018-12-07</a:t>
+              <a:t>2018-12-12</a:t>
             </a:fld>
             <a:endParaRPr lang="ko-KR" altLang="en-US"/>
           </a:p>
@@ -3857,7 +3532,7 @@
           <a:p>
             <a:fld id="{7375CF92-EF9A-4E7C-8197-9037C088131F}" type="datetimeFigureOut">
               <a:rPr lang="ko-KR" altLang="en-US" smtClean="0"/>
-              <a:t>2018-12-07</a:t>
+              <a:t>2018-12-12</a:t>
             </a:fld>
             <a:endParaRPr lang="ko-KR" altLang="en-US"/>
           </a:p>
@@ -3975,7 +3650,7 @@
           <a:p>
             <a:fld id="{7375CF92-EF9A-4E7C-8197-9037C088131F}" type="datetimeFigureOut">
               <a:rPr lang="ko-KR" altLang="en-US" smtClean="0"/>
-              <a:t>2018-12-07</a:t>
+              <a:t>2018-12-12</a:t>
             </a:fld>
             <a:endParaRPr lang="ko-KR" altLang="en-US"/>
           </a:p>
@@ -4070,7 +3745,7 @@
           <a:p>
             <a:fld id="{7375CF92-EF9A-4E7C-8197-9037C088131F}" type="datetimeFigureOut">
               <a:rPr lang="ko-KR" altLang="en-US" smtClean="0"/>
-              <a:t>2018-12-07</a:t>
+              <a:t>2018-12-12</a:t>
             </a:fld>
             <a:endParaRPr lang="ko-KR" altLang="en-US"/>
           </a:p>
@@ -4347,7 +4022,7 @@
           <a:p>
             <a:fld id="{7375CF92-EF9A-4E7C-8197-9037C088131F}" type="datetimeFigureOut">
               <a:rPr lang="ko-KR" altLang="en-US" smtClean="0"/>
-              <a:t>2018-12-07</a:t>
+              <a:t>2018-12-12</a:t>
             </a:fld>
             <a:endParaRPr lang="ko-KR" altLang="en-US"/>
           </a:p>
@@ -4604,7 +4279,7 @@
           <a:p>
             <a:fld id="{7375CF92-EF9A-4E7C-8197-9037C088131F}" type="datetimeFigureOut">
               <a:rPr lang="ko-KR" altLang="en-US" smtClean="0"/>
-              <a:t>2018-12-07</a:t>
+              <a:t>2018-12-12</a:t>
             </a:fld>
             <a:endParaRPr lang="ko-KR" altLang="en-US"/>
           </a:p>
@@ -4817,7 +4492,7 @@
           <a:p>
             <a:fld id="{7375CF92-EF9A-4E7C-8197-9037C088131F}" type="datetimeFigureOut">
               <a:rPr lang="ko-KR" altLang="en-US" smtClean="0"/>
-              <a:t>2018-12-07</a:t>
+              <a:t>2018-12-12</a:t>
             </a:fld>
             <a:endParaRPr lang="ko-KR" altLang="en-US"/>
           </a:p>
